--- a/教材/14章_Terraformマスター.pptx
+++ b/教材/14章_Terraformマスター.pptx
@@ -684,7 +684,7 @@
   <pc:docChgLst>
     <pc:chgData name="尾嵜 成真" userId="dd95f81a979e9056" providerId="LiveId" clId="{3D40AD2A-0A90-452B-93A1-01C5143906D3}"/>
     <pc:docChg chg="undo custSel addSld delSld modSld">
-      <pc:chgData name="尾嵜 成真" userId="dd95f81a979e9056" providerId="LiveId" clId="{3D40AD2A-0A90-452B-93A1-01C5143906D3}" dt="2023-01-29T06:36:47.262" v="7082"/>
+      <pc:chgData name="尾嵜 成真" userId="dd95f81a979e9056" providerId="LiveId" clId="{3D40AD2A-0A90-452B-93A1-01C5143906D3}" dt="2023-02-08T13:06:57.037" v="7175" actId="20577"/>
       <pc:docMkLst>
         <pc:docMk/>
       </pc:docMkLst>
@@ -799,13 +799,13 @@
         </pc:spChg>
       </pc:sldChg>
       <pc:sldChg chg="addSp delSp modSp mod">
-        <pc:chgData name="尾嵜 成真" userId="dd95f81a979e9056" providerId="LiveId" clId="{3D40AD2A-0A90-452B-93A1-01C5143906D3}" dt="2023-01-29T06:36:11.809" v="7073" actId="20577"/>
+        <pc:chgData name="尾嵜 成真" userId="dd95f81a979e9056" providerId="LiveId" clId="{3D40AD2A-0A90-452B-93A1-01C5143906D3}" dt="2023-02-08T13:06:22.547" v="7174" actId="20577"/>
         <pc:sldMkLst>
           <pc:docMk/>
           <pc:sldMk cId="0" sldId="296"/>
         </pc:sldMkLst>
         <pc:spChg chg="mod">
-          <ac:chgData name="尾嵜 成真" userId="dd95f81a979e9056" providerId="LiveId" clId="{3D40AD2A-0A90-452B-93A1-01C5143906D3}" dt="2023-01-29T06:15:55.207" v="6989" actId="947"/>
+          <ac:chgData name="尾嵜 成真" userId="dd95f81a979e9056" providerId="LiveId" clId="{3D40AD2A-0A90-452B-93A1-01C5143906D3}" dt="2023-02-08T13:06:22.547" v="7174" actId="20577"/>
           <ac:spMkLst>
             <pc:docMk/>
             <pc:sldMk cId="0" sldId="296"/>
@@ -821,7 +821,7 @@
           </ac:spMkLst>
         </pc:spChg>
         <pc:spChg chg="mod">
-          <ac:chgData name="尾嵜 成真" userId="dd95f81a979e9056" providerId="LiveId" clId="{3D40AD2A-0A90-452B-93A1-01C5143906D3}" dt="2023-01-26T08:15:18.773" v="2848"/>
+          <ac:chgData name="尾嵜 成真" userId="dd95f81a979e9056" providerId="LiveId" clId="{3D40AD2A-0A90-452B-93A1-01C5143906D3}" dt="2023-02-08T13:06:09.326" v="7158"/>
           <ac:spMkLst>
             <pc:docMk/>
             <pc:sldMk cId="0" sldId="296"/>
@@ -909,7 +909,7 @@
           </ac:spMkLst>
         </pc:spChg>
         <pc:spChg chg="add mod">
-          <ac:chgData name="尾嵜 成真" userId="dd95f81a979e9056" providerId="LiveId" clId="{3D40AD2A-0A90-452B-93A1-01C5143906D3}" dt="2023-01-27T09:54:24.836" v="4898" actId="14100"/>
+          <ac:chgData name="尾嵜 成真" userId="dd95f81a979e9056" providerId="LiveId" clId="{3D40AD2A-0A90-452B-93A1-01C5143906D3}" dt="2023-02-08T13:05:25.860" v="7087" actId="1076"/>
           <ac:spMkLst>
             <pc:docMk/>
             <pc:sldMk cId="0" sldId="296"/>
@@ -917,7 +917,7 @@
           </ac:spMkLst>
         </pc:spChg>
         <pc:spChg chg="add mod">
-          <ac:chgData name="尾嵜 成真" userId="dd95f81a979e9056" providerId="LiveId" clId="{3D40AD2A-0A90-452B-93A1-01C5143906D3}" dt="2023-01-27T09:52:36.673" v="4834" actId="1076"/>
+          <ac:chgData name="尾嵜 成真" userId="dd95f81a979e9056" providerId="LiveId" clId="{3D40AD2A-0A90-452B-93A1-01C5143906D3}" dt="2023-02-08T13:05:25.860" v="7087" actId="1076"/>
           <ac:spMkLst>
             <pc:docMk/>
             <pc:sldMk cId="0" sldId="296"/>
@@ -925,7 +925,7 @@
           </ac:spMkLst>
         </pc:spChg>
         <pc:spChg chg="add mod">
-          <ac:chgData name="尾嵜 成真" userId="dd95f81a979e9056" providerId="LiveId" clId="{3D40AD2A-0A90-452B-93A1-01C5143906D3}" dt="2023-01-27T09:52:36.673" v="4834" actId="1076"/>
+          <ac:chgData name="尾嵜 成真" userId="dd95f81a979e9056" providerId="LiveId" clId="{3D40AD2A-0A90-452B-93A1-01C5143906D3}" dt="2023-02-08T13:05:25.860" v="7087" actId="1076"/>
           <ac:spMkLst>
             <pc:docMk/>
             <pc:sldMk cId="0" sldId="296"/>
@@ -957,7 +957,7 @@
           </ac:spMkLst>
         </pc:spChg>
         <pc:spChg chg="add del mod">
-          <ac:chgData name="尾嵜 成真" userId="dd95f81a979e9056" providerId="LiveId" clId="{3D40AD2A-0A90-452B-93A1-01C5143906D3}" dt="2023-01-27T09:52:36.673" v="4834" actId="1076"/>
+          <ac:chgData name="尾嵜 成真" userId="dd95f81a979e9056" providerId="LiveId" clId="{3D40AD2A-0A90-452B-93A1-01C5143906D3}" dt="2023-02-08T13:05:25.860" v="7087" actId="1076"/>
           <ac:spMkLst>
             <pc:docMk/>
             <pc:sldMk cId="0" sldId="296"/>
@@ -973,7 +973,7 @@
           </ac:spMkLst>
         </pc:spChg>
         <pc:spChg chg="add mod">
-          <ac:chgData name="尾嵜 成真" userId="dd95f81a979e9056" providerId="LiveId" clId="{3D40AD2A-0A90-452B-93A1-01C5143906D3}" dt="2023-01-27T10:00:28.509" v="5149" actId="208"/>
+          <ac:chgData name="尾嵜 成真" userId="dd95f81a979e9056" providerId="LiveId" clId="{3D40AD2A-0A90-452B-93A1-01C5143906D3}" dt="2023-02-08T13:05:25.860" v="7087" actId="1076"/>
           <ac:spMkLst>
             <pc:docMk/>
             <pc:sldMk cId="0" sldId="296"/>
@@ -981,7 +981,7 @@
           </ac:spMkLst>
         </pc:spChg>
         <pc:spChg chg="add mod">
-          <ac:chgData name="尾嵜 成真" userId="dd95f81a979e9056" providerId="LiveId" clId="{3D40AD2A-0A90-452B-93A1-01C5143906D3}" dt="2023-01-27T09:52:36.673" v="4834" actId="1076"/>
+          <ac:chgData name="尾嵜 成真" userId="dd95f81a979e9056" providerId="LiveId" clId="{3D40AD2A-0A90-452B-93A1-01C5143906D3}" dt="2023-02-08T13:05:25.860" v="7087" actId="1076"/>
           <ac:spMkLst>
             <pc:docMk/>
             <pc:sldMk cId="0" sldId="296"/>
@@ -997,7 +997,7 @@
           </ac:spMkLst>
         </pc:spChg>
         <pc:spChg chg="add mod">
-          <ac:chgData name="尾嵜 成真" userId="dd95f81a979e9056" providerId="LiveId" clId="{3D40AD2A-0A90-452B-93A1-01C5143906D3}" dt="2023-01-27T09:52:36.673" v="4834" actId="1076"/>
+          <ac:chgData name="尾嵜 成真" userId="dd95f81a979e9056" providerId="LiveId" clId="{3D40AD2A-0A90-452B-93A1-01C5143906D3}" dt="2023-02-08T13:05:25.860" v="7087" actId="1076"/>
           <ac:spMkLst>
             <pc:docMk/>
             <pc:sldMk cId="0" sldId="296"/>
@@ -1021,7 +1021,7 @@
           </ac:spMkLst>
         </pc:spChg>
         <pc:spChg chg="add mod">
-          <ac:chgData name="尾嵜 成真" userId="dd95f81a979e9056" providerId="LiveId" clId="{3D40AD2A-0A90-452B-93A1-01C5143906D3}" dt="2023-01-27T09:52:36.673" v="4834" actId="1076"/>
+          <ac:chgData name="尾嵜 成真" userId="dd95f81a979e9056" providerId="LiveId" clId="{3D40AD2A-0A90-452B-93A1-01C5143906D3}" dt="2023-02-08T13:05:25.860" v="7087" actId="1076"/>
           <ac:spMkLst>
             <pc:docMk/>
             <pc:sldMk cId="0" sldId="296"/>
@@ -1029,7 +1029,7 @@
           </ac:spMkLst>
         </pc:spChg>
         <pc:spChg chg="add mod">
-          <ac:chgData name="尾嵜 成真" userId="dd95f81a979e9056" providerId="LiveId" clId="{3D40AD2A-0A90-452B-93A1-01C5143906D3}" dt="2023-01-27T09:52:36.673" v="4834" actId="1076"/>
+          <ac:chgData name="尾嵜 成真" userId="dd95f81a979e9056" providerId="LiveId" clId="{3D40AD2A-0A90-452B-93A1-01C5143906D3}" dt="2023-02-08T13:05:25.860" v="7087" actId="1076"/>
           <ac:spMkLst>
             <pc:docMk/>
             <pc:sldMk cId="0" sldId="296"/>
@@ -1037,7 +1037,7 @@
           </ac:spMkLst>
         </pc:spChg>
         <pc:spChg chg="add mod">
-          <ac:chgData name="尾嵜 成真" userId="dd95f81a979e9056" providerId="LiveId" clId="{3D40AD2A-0A90-452B-93A1-01C5143906D3}" dt="2023-01-27T10:00:23.025" v="5146" actId="208"/>
+          <ac:chgData name="尾嵜 成真" userId="dd95f81a979e9056" providerId="LiveId" clId="{3D40AD2A-0A90-452B-93A1-01C5143906D3}" dt="2023-02-08T13:05:25.860" v="7087" actId="1076"/>
           <ac:spMkLst>
             <pc:docMk/>
             <pc:sldMk cId="0" sldId="296"/>
@@ -1093,7 +1093,7 @@
           </ac:picMkLst>
         </pc:picChg>
         <pc:picChg chg="add mod">
-          <ac:chgData name="尾嵜 成真" userId="dd95f81a979e9056" providerId="LiveId" clId="{3D40AD2A-0A90-452B-93A1-01C5143906D3}" dt="2023-01-27T09:52:36.673" v="4834" actId="1076"/>
+          <ac:chgData name="尾嵜 成真" userId="dd95f81a979e9056" providerId="LiveId" clId="{3D40AD2A-0A90-452B-93A1-01C5143906D3}" dt="2023-02-08T13:05:25.860" v="7087" actId="1076"/>
           <ac:picMkLst>
             <pc:docMk/>
             <pc:sldMk cId="0" sldId="296"/>
@@ -1117,7 +1117,7 @@
           </ac:picMkLst>
         </pc:picChg>
         <pc:picChg chg="add mod">
-          <ac:chgData name="尾嵜 成真" userId="dd95f81a979e9056" providerId="LiveId" clId="{3D40AD2A-0A90-452B-93A1-01C5143906D3}" dt="2023-01-27T09:52:36.673" v="4834" actId="1076"/>
+          <ac:chgData name="尾嵜 成真" userId="dd95f81a979e9056" providerId="LiveId" clId="{3D40AD2A-0A90-452B-93A1-01C5143906D3}" dt="2023-02-08T13:05:25.860" v="7087" actId="1076"/>
           <ac:picMkLst>
             <pc:docMk/>
             <pc:sldMk cId="0" sldId="296"/>
@@ -1133,7 +1133,7 @@
           </ac:picMkLst>
         </pc:picChg>
         <pc:picChg chg="add mod">
-          <ac:chgData name="尾嵜 成真" userId="dd95f81a979e9056" providerId="LiveId" clId="{3D40AD2A-0A90-452B-93A1-01C5143906D3}" dt="2023-01-27T09:52:36.673" v="4834" actId="1076"/>
+          <ac:chgData name="尾嵜 成真" userId="dd95f81a979e9056" providerId="LiveId" clId="{3D40AD2A-0A90-452B-93A1-01C5143906D3}" dt="2023-02-08T13:05:25.860" v="7087" actId="1076"/>
           <ac:picMkLst>
             <pc:docMk/>
             <pc:sldMk cId="0" sldId="296"/>
@@ -1141,7 +1141,7 @@
           </ac:picMkLst>
         </pc:picChg>
         <pc:picChg chg="add mod">
-          <ac:chgData name="尾嵜 成真" userId="dd95f81a979e9056" providerId="LiveId" clId="{3D40AD2A-0A90-452B-93A1-01C5143906D3}" dt="2023-01-27T09:52:36.673" v="4834" actId="1076"/>
+          <ac:chgData name="尾嵜 成真" userId="dd95f81a979e9056" providerId="LiveId" clId="{3D40AD2A-0A90-452B-93A1-01C5143906D3}" dt="2023-02-08T13:05:25.860" v="7087" actId="1076"/>
           <ac:picMkLst>
             <pc:docMk/>
             <pc:sldMk cId="0" sldId="296"/>
@@ -1149,7 +1149,7 @@
           </ac:picMkLst>
         </pc:picChg>
         <pc:picChg chg="add mod">
-          <ac:chgData name="尾嵜 成真" userId="dd95f81a979e9056" providerId="LiveId" clId="{3D40AD2A-0A90-452B-93A1-01C5143906D3}" dt="2023-01-27T09:52:36.673" v="4834" actId="1076"/>
+          <ac:chgData name="尾嵜 成真" userId="dd95f81a979e9056" providerId="LiveId" clId="{3D40AD2A-0A90-452B-93A1-01C5143906D3}" dt="2023-02-08T13:05:25.860" v="7087" actId="1076"/>
           <ac:picMkLst>
             <pc:docMk/>
             <pc:sldMk cId="0" sldId="296"/>
@@ -1173,7 +1173,7 @@
           </ac:picMkLst>
         </pc:picChg>
         <pc:picChg chg="add mod">
-          <ac:chgData name="尾嵜 成真" userId="dd95f81a979e9056" providerId="LiveId" clId="{3D40AD2A-0A90-452B-93A1-01C5143906D3}" dt="2023-01-27T09:52:36.673" v="4834" actId="1076"/>
+          <ac:chgData name="尾嵜 成真" userId="dd95f81a979e9056" providerId="LiveId" clId="{3D40AD2A-0A90-452B-93A1-01C5143906D3}" dt="2023-02-08T13:05:25.860" v="7087" actId="1076"/>
           <ac:picMkLst>
             <pc:docMk/>
             <pc:sldMk cId="0" sldId="296"/>
@@ -1189,7 +1189,7 @@
           </ac:cxnSpMkLst>
         </pc:cxnChg>
         <pc:cxnChg chg="add mod">
-          <ac:chgData name="尾嵜 成真" userId="dd95f81a979e9056" providerId="LiveId" clId="{3D40AD2A-0A90-452B-93A1-01C5143906D3}" dt="2023-01-27T09:54:19.711" v="4897" actId="14100"/>
+          <ac:chgData name="尾嵜 成真" userId="dd95f81a979e9056" providerId="LiveId" clId="{3D40AD2A-0A90-452B-93A1-01C5143906D3}" dt="2023-02-08T13:05:25.860" v="7087" actId="1076"/>
           <ac:cxnSpMkLst>
             <pc:docMk/>
             <pc:sldMk cId="0" sldId="296"/>
@@ -1253,7 +1253,7 @@
           </ac:cxnSpMkLst>
         </pc:cxnChg>
         <pc:cxnChg chg="add mod">
-          <ac:chgData name="尾嵜 成真" userId="dd95f81a979e9056" providerId="LiveId" clId="{3D40AD2A-0A90-452B-93A1-01C5143906D3}" dt="2023-01-27T09:52:36.673" v="4834" actId="1076"/>
+          <ac:chgData name="尾嵜 成真" userId="dd95f81a979e9056" providerId="LiveId" clId="{3D40AD2A-0A90-452B-93A1-01C5143906D3}" dt="2023-02-08T13:05:25.860" v="7087" actId="1076"/>
           <ac:cxnSpMkLst>
             <pc:docMk/>
             <pc:sldMk cId="0" sldId="296"/>
@@ -1261,7 +1261,7 @@
           </ac:cxnSpMkLst>
         </pc:cxnChg>
         <pc:cxnChg chg="add mod">
-          <ac:chgData name="尾嵜 成真" userId="dd95f81a979e9056" providerId="LiveId" clId="{3D40AD2A-0A90-452B-93A1-01C5143906D3}" dt="2023-01-27T10:00:37.311" v="5151" actId="208"/>
+          <ac:chgData name="尾嵜 成真" userId="dd95f81a979e9056" providerId="LiveId" clId="{3D40AD2A-0A90-452B-93A1-01C5143906D3}" dt="2023-02-08T13:05:25.860" v="7087" actId="1076"/>
           <ac:cxnSpMkLst>
             <pc:docMk/>
             <pc:sldMk cId="0" sldId="296"/>
@@ -1269,7 +1269,7 @@
           </ac:cxnSpMkLst>
         </pc:cxnChg>
         <pc:cxnChg chg="add mod">
-          <ac:chgData name="尾嵜 成真" userId="dd95f81a979e9056" providerId="LiveId" clId="{3D40AD2A-0A90-452B-93A1-01C5143906D3}" dt="2023-01-27T09:52:36.673" v="4834" actId="1076"/>
+          <ac:chgData name="尾嵜 成真" userId="dd95f81a979e9056" providerId="LiveId" clId="{3D40AD2A-0A90-452B-93A1-01C5143906D3}" dt="2023-02-08T13:05:25.860" v="7087" actId="1076"/>
           <ac:cxnSpMkLst>
             <pc:docMk/>
             <pc:sldMk cId="0" sldId="296"/>
@@ -1277,7 +1277,7 @@
           </ac:cxnSpMkLst>
         </pc:cxnChg>
         <pc:cxnChg chg="add mod">
-          <ac:chgData name="尾嵜 成真" userId="dd95f81a979e9056" providerId="LiveId" clId="{3D40AD2A-0A90-452B-93A1-01C5143906D3}" dt="2023-01-27T09:52:36.673" v="4834" actId="1076"/>
+          <ac:chgData name="尾嵜 成真" userId="dd95f81a979e9056" providerId="LiveId" clId="{3D40AD2A-0A90-452B-93A1-01C5143906D3}" dt="2023-02-08T13:05:25.860" v="7087" actId="1076"/>
           <ac:cxnSpMkLst>
             <pc:docMk/>
             <pc:sldMk cId="0" sldId="296"/>
@@ -2257,7 +2257,7 @@
         </pc:cxnChg>
       </pc:sldChg>
       <pc:sldChg chg="addSp delSp modSp add mod">
-        <pc:chgData name="尾嵜 成真" userId="dd95f81a979e9056" providerId="LiveId" clId="{3D40AD2A-0A90-452B-93A1-01C5143906D3}" dt="2023-01-29T06:25:50.234" v="7039" actId="14100"/>
+        <pc:chgData name="尾嵜 成真" userId="dd95f81a979e9056" providerId="LiveId" clId="{3D40AD2A-0A90-452B-93A1-01C5143906D3}" dt="2023-02-08T13:06:57.037" v="7175" actId="20577"/>
         <pc:sldMkLst>
           <pc:docMk/>
           <pc:sldMk cId="2190477354" sldId="314"/>
@@ -2271,7 +2271,7 @@
           </ac:spMkLst>
         </pc:spChg>
         <pc:spChg chg="mod">
-          <ac:chgData name="尾嵜 成真" userId="dd95f81a979e9056" providerId="LiveId" clId="{3D40AD2A-0A90-452B-93A1-01C5143906D3}" dt="2023-01-29T06:22:10.541" v="7025" actId="20577"/>
+          <ac:chgData name="尾嵜 成真" userId="dd95f81a979e9056" providerId="LiveId" clId="{3D40AD2A-0A90-452B-93A1-01C5143906D3}" dt="2023-02-08T13:06:57.037" v="7175" actId="20577"/>
           <ac:spMkLst>
             <pc:docMk/>
             <pc:sldMk cId="2190477354" sldId="314"/>
@@ -2648,7 +2648,7 @@
         </pc:cxnChg>
       </pc:sldChg>
       <pc:sldChg chg="addSp delSp modSp add mod">
-        <pc:chgData name="尾嵜 成真" userId="dd95f81a979e9056" providerId="LiveId" clId="{3D40AD2A-0A90-452B-93A1-01C5143906D3}" dt="2023-01-29T06:36:17.378" v="7074" actId="20577"/>
+        <pc:chgData name="尾嵜 成真" userId="dd95f81a979e9056" providerId="LiveId" clId="{3D40AD2A-0A90-452B-93A1-01C5143906D3}" dt="2023-02-08T13:06:07.743" v="7157"/>
         <pc:sldMkLst>
           <pc:docMk/>
           <pc:sldMk cId="2764020205" sldId="315"/>
@@ -2678,7 +2678,7 @@
           </ac:spMkLst>
         </pc:spChg>
         <pc:spChg chg="mod">
-          <ac:chgData name="尾嵜 成真" userId="dd95f81a979e9056" providerId="LiveId" clId="{3D40AD2A-0A90-452B-93A1-01C5143906D3}" dt="2023-01-26T10:18:17.119" v="3681"/>
+          <ac:chgData name="尾嵜 成真" userId="dd95f81a979e9056" providerId="LiveId" clId="{3D40AD2A-0A90-452B-93A1-01C5143906D3}" dt="2023-02-08T13:06:07.743" v="7157"/>
           <ac:spMkLst>
             <pc:docMk/>
             <pc:sldMk cId="2764020205" sldId="315"/>
@@ -2807,7 +2807,7 @@
         </pc:cxnChg>
       </pc:sldChg>
       <pc:sldChg chg="addSp delSp modSp add mod">
-        <pc:chgData name="尾嵜 成真" userId="dd95f81a979e9056" providerId="LiveId" clId="{3D40AD2A-0A90-452B-93A1-01C5143906D3}" dt="2023-01-29T06:36:21.184" v="7075" actId="20577"/>
+        <pc:chgData name="尾嵜 成真" userId="dd95f81a979e9056" providerId="LiveId" clId="{3D40AD2A-0A90-452B-93A1-01C5143906D3}" dt="2023-02-08T13:06:04.887" v="7156" actId="20577"/>
         <pc:sldMkLst>
           <pc:docMk/>
           <pc:sldMk cId="1628176598" sldId="316"/>
@@ -2834,6 +2834,14 @@
             <pc:docMk/>
             <pc:sldMk cId="1628176598" sldId="316"/>
             <ac:spMk id="5" creationId="{165FC0E4-C01D-7BA8-BF87-4D03D1E0D594}"/>
+          </ac:spMkLst>
+        </pc:spChg>
+        <pc:spChg chg="mod">
+          <ac:chgData name="尾嵜 成真" userId="dd95f81a979e9056" providerId="LiveId" clId="{3D40AD2A-0A90-452B-93A1-01C5143906D3}" dt="2023-02-08T13:06:04.887" v="7156" actId="20577"/>
+          <ac:spMkLst>
+            <pc:docMk/>
+            <pc:sldMk cId="1628176598" sldId="316"/>
+            <ac:spMk id="6" creationId="{328E8C32-9164-2876-C63D-59A5D487A4F5}"/>
           </ac:spMkLst>
         </pc:spChg>
         <pc:spChg chg="del">
@@ -6212,7 +6220,7 @@
             <a:fld id="{D4CCFBE2-2B8D-499C-81C9-2CD5B3EB8E93}" type="datetimeFigureOut">
               <a:rPr lang="ko-KR" altLang="en-US" smtClean="0"/>
               <a:pPr/>
-              <a:t>2023-01-29</a:t>
+              <a:t>2023-02-08</a:t>
             </a:fld>
             <a:endParaRPr lang="ko-KR" altLang="en-US"/>
           </a:p>
@@ -6379,7 +6387,7 @@
             <a:fld id="{FB545AC5-813F-4ED1-B011-8EA17CB93331}" type="datetimeFigureOut">
               <a:rPr lang="ko-KR" altLang="en-US" smtClean="0"/>
               <a:pPr/>
-              <a:t>2023-01-29</a:t>
+              <a:t>2023-02-08</a:t>
             </a:fld>
             <a:endParaRPr lang="ko-KR" altLang="en-US"/>
           </a:p>
@@ -6801,7 +6809,7 @@
             <a:fld id="{ED3D6733-6F27-4404-AB51-585418F146E5}" type="datetimeFigureOut">
               <a:rPr lang="ko-KR" altLang="en-US" smtClean="0"/>
               <a:pPr/>
-              <a:t>2023-01-29</a:t>
+              <a:t>2023-02-08</a:t>
             </a:fld>
             <a:endParaRPr lang="ko-KR" altLang="en-US"/>
           </a:p>
@@ -6986,7 +6994,7 @@
             <a:fld id="{ED3D6733-6F27-4404-AB51-585418F146E5}" type="datetimeFigureOut">
               <a:rPr lang="ko-KR" altLang="en-US" smtClean="0"/>
               <a:pPr/>
-              <a:t>2023-01-29</a:t>
+              <a:t>2023-02-08</a:t>
             </a:fld>
             <a:endParaRPr lang="ko-KR" altLang="en-US"/>
           </a:p>
@@ -7124,7 +7132,7 @@
             <a:fld id="{ED3D6733-6F27-4404-AB51-585418F146E5}" type="datetimeFigureOut">
               <a:rPr lang="ko-KR" altLang="en-US" smtClean="0"/>
               <a:pPr/>
-              <a:t>2023-01-29</a:t>
+              <a:t>2023-02-08</a:t>
             </a:fld>
             <a:endParaRPr lang="ko-KR" altLang="en-US"/>
           </a:p>
@@ -7337,7 +7345,7 @@
             <a:fld id="{ED3D6733-6F27-4404-AB51-585418F146E5}" type="datetimeFigureOut">
               <a:rPr lang="ko-KR" altLang="en-US" smtClean="0"/>
               <a:pPr/>
-              <a:t>2023-01-29</a:t>
+              <a:t>2023-02-08</a:t>
             </a:fld>
             <a:endParaRPr lang="ko-KR" altLang="en-US"/>
           </a:p>
@@ -7614,7 +7622,7 @@
             <a:fld id="{ED3D6733-6F27-4404-AB51-585418F146E5}" type="datetimeFigureOut">
               <a:rPr lang="ko-KR" altLang="en-US" smtClean="0"/>
               <a:pPr/>
-              <a:t>2023-01-29</a:t>
+              <a:t>2023-02-08</a:t>
             </a:fld>
             <a:endParaRPr lang="ko-KR" altLang="en-US"/>
           </a:p>
@@ -7937,7 +7945,7 @@
             <a:fld id="{ED3D6733-6F27-4404-AB51-585418F146E5}" type="datetimeFigureOut">
               <a:rPr lang="ko-KR" altLang="en-US" smtClean="0"/>
               <a:pPr/>
-              <a:t>2023-01-29</a:t>
+              <a:t>2023-02-08</a:t>
             </a:fld>
             <a:endParaRPr lang="ko-KR" altLang="en-US"/>
           </a:p>
@@ -8210,7 +8218,7 @@
             <a:fld id="{ED3D6733-6F27-4404-AB51-585418F146E5}" type="datetimeFigureOut">
               <a:rPr lang="ko-KR" altLang="en-US" smtClean="0"/>
               <a:pPr/>
-              <a:t>2023-01-29</a:t>
+              <a:t>2023-02-08</a:t>
             </a:fld>
             <a:endParaRPr lang="ko-KR" altLang="en-US"/>
           </a:p>
@@ -16642,7 +16650,7 @@
                 <a:latin typeface="BIZ UDP明朝 Medium" panose="02020500000000000000" pitchFamily="18" charset="-128"/>
                 <a:ea typeface="BIZ UDP明朝 Medium" panose="02020500000000000000" pitchFamily="18" charset="-128"/>
               </a:rPr>
-              <a:t>」の指定は、ＶＰＣリソースを参照することができました。これは、同じファイル内</a:t>
+              <a:t>」の指定は、ＶＰＣリソースを参照することができました。これは、「同じファイル内</a:t>
             </a:r>
             <a:r>
               <a:rPr lang="en-US" altLang="ja-JP" i="0" dirty="0">
@@ -16702,7 +16710,7 @@
                 <a:latin typeface="BIZ UDP明朝 Medium" panose="02020500000000000000" pitchFamily="18" charset="-128"/>
                 <a:ea typeface="BIZ UDP明朝 Medium" panose="02020500000000000000" pitchFamily="18" charset="-128"/>
               </a:rPr>
-              <a:t>内で可能であり、</a:t>
+              <a:t>内」で可能であり、</a:t>
             </a:r>
             <a:r>
               <a:rPr lang="en-US" altLang="ja-JP" i="0" dirty="0">
@@ -16812,7 +16820,27 @@
                 <a:latin typeface="BIZ UDP明朝 Medium" panose="02020500000000000000" pitchFamily="18" charset="-128"/>
                 <a:ea typeface="BIZ UDP明朝 Medium" panose="02020500000000000000" pitchFamily="18" charset="-128"/>
               </a:rPr>
-              <a:t>。</a:t>
+              <a:t>。外部リソースを参照したい場合は、</a:t>
+            </a:r>
+            <a:r>
+              <a:rPr lang="en-US" altLang="ja-JP" b="1" i="0" dirty="0">
+                <a:solidFill>
+                  <a:srgbClr val="00B050"/>
+                </a:solidFill>
+                <a:latin typeface="BIZ UDP明朝 Medium" panose="02020500000000000000" pitchFamily="18" charset="-128"/>
+                <a:ea typeface="BIZ UDP明朝 Medium" panose="02020500000000000000" pitchFamily="18" charset="-128"/>
+              </a:rPr>
+              <a:t>output</a:t>
+            </a:r>
+            <a:r>
+              <a:rPr lang="ja-JP" altLang="en-US" i="0" dirty="0">
+                <a:solidFill>
+                  <a:schemeClr val="tx1"/>
+                </a:solidFill>
+                <a:latin typeface="BIZ UDP明朝 Medium" panose="02020500000000000000" pitchFamily="18" charset="-128"/>
+                <a:ea typeface="BIZ UDP明朝 Medium" panose="02020500000000000000" pitchFamily="18" charset="-128"/>
+              </a:rPr>
+              <a:t>を使用します。</a:t>
             </a:r>
             <a:endParaRPr lang="en-US" altLang="ja-JP" i="0" dirty="0">
               <a:solidFill>
@@ -16931,7 +16959,7 @@
                 <a:latin typeface="BIZ UDP明朝 Medium" panose="02020500000000000000" pitchFamily="18" charset="-128"/>
                 <a:ea typeface="BIZ UDP明朝 Medium" panose="02020500000000000000" pitchFamily="18" charset="-128"/>
               </a:rPr>
-              <a:t>Output</a:t>
+              <a:t>output</a:t>
             </a:r>
             <a:endParaRPr lang="ja-JP" altLang="en-US" sz="2400" dirty="0">
               <a:solidFill>
@@ -16965,7 +16993,7 @@
         </p:blipFill>
         <p:spPr>
           <a:xfrm>
-            <a:off x="6738744" y="2790607"/>
+            <a:off x="6732240" y="2915293"/>
             <a:ext cx="2189532" cy="883363"/>
           </a:xfrm>
           <a:prstGeom prst="rect">
@@ -17000,7 +17028,7 @@
         </p:blipFill>
         <p:spPr>
           <a:xfrm>
-            <a:off x="194925" y="2808705"/>
+            <a:off x="188421" y="2933391"/>
             <a:ext cx="1444369" cy="2410033"/>
           </a:xfrm>
           <a:prstGeom prst="rect">
@@ -17022,7 +17050,7 @@
         </p:nvSpPr>
         <p:spPr>
           <a:xfrm>
-            <a:off x="194924" y="4074345"/>
+            <a:off x="188420" y="4199031"/>
             <a:ext cx="1444369" cy="1144393"/>
           </a:xfrm>
           <a:prstGeom prst="rect">
@@ -17076,7 +17104,7 @@
         </p:nvSpPr>
         <p:spPr>
           <a:xfrm>
-            <a:off x="1276269" y="2289639"/>
+            <a:off x="1269765" y="2414325"/>
             <a:ext cx="1752925" cy="580884"/>
           </a:xfrm>
           <a:prstGeom prst="rect">
@@ -17149,7 +17177,7 @@
         </p:blipFill>
         <p:spPr>
           <a:xfrm>
-            <a:off x="1804022" y="2808705"/>
+            <a:off x="1797518" y="2933391"/>
             <a:ext cx="2189532" cy="883363"/>
           </a:xfrm>
           <a:prstGeom prst="rect">
@@ -17179,7 +17207,7 @@
         </p:blipFill>
         <p:spPr>
           <a:xfrm>
-            <a:off x="1798559" y="3743597"/>
+            <a:off x="1792055" y="3868283"/>
             <a:ext cx="2189532" cy="2323336"/>
           </a:xfrm>
           <a:prstGeom prst="rect">
@@ -17201,7 +17229,7 @@
         </p:nvSpPr>
         <p:spPr>
           <a:xfrm>
-            <a:off x="1794798" y="2786061"/>
+            <a:off x="1788294" y="2910747"/>
             <a:ext cx="2193293" cy="3280872"/>
           </a:xfrm>
           <a:prstGeom prst="rect">
@@ -17261,7 +17289,7 @@
         </p:blipFill>
         <p:spPr>
           <a:xfrm>
-            <a:off x="6741814" y="3743597"/>
+            <a:off x="6735310" y="3868283"/>
             <a:ext cx="2189532" cy="2323336"/>
           </a:xfrm>
           <a:prstGeom prst="rect">
@@ -17288,7 +17316,7 @@
         </p:nvSpPr>
         <p:spPr>
           <a:xfrm>
-            <a:off x="6738744" y="3743597"/>
+            <a:off x="6732240" y="3868283"/>
             <a:ext cx="2189532" cy="2323336"/>
           </a:xfrm>
           <a:prstGeom prst="rect">
@@ -17340,7 +17368,7 @@
         </p:nvSpPr>
         <p:spPr>
           <a:xfrm>
-            <a:off x="6732240" y="2782129"/>
+            <a:off x="6725736" y="2906815"/>
             <a:ext cx="2196036" cy="883362"/>
           </a:xfrm>
           <a:prstGeom prst="rect">
@@ -17394,7 +17422,7 @@
         </p:nvSpPr>
         <p:spPr>
           <a:xfrm>
-            <a:off x="6072167" y="2308591"/>
+            <a:off x="6065663" y="2433277"/>
             <a:ext cx="1752925" cy="580884"/>
           </a:xfrm>
           <a:prstGeom prst="rect">
@@ -17459,7 +17487,7 @@
         </p:nvCxnSpPr>
         <p:spPr>
           <a:xfrm>
-            <a:off x="1841063" y="2922218"/>
+            <a:off x="1834559" y="3046904"/>
             <a:ext cx="1476164" cy="0"/>
           </a:xfrm>
           <a:prstGeom prst="line">
@@ -17495,7 +17523,7 @@
         </p:nvCxnSpPr>
         <p:spPr>
           <a:xfrm>
-            <a:off x="6738744" y="2922218"/>
+            <a:off x="6732240" y="3046904"/>
             <a:ext cx="1476164" cy="0"/>
           </a:xfrm>
           <a:prstGeom prst="line">
@@ -17536,7 +17564,7 @@
         </p:nvCxnSpPr>
         <p:spPr>
           <a:xfrm flipH="1">
-            <a:off x="2309115" y="2922218"/>
+            <a:off x="2302611" y="3046904"/>
             <a:ext cx="270030" cy="1152127"/>
           </a:xfrm>
           <a:prstGeom prst="straightConnector1">
@@ -17575,7 +17603,7 @@
         </p:nvCxnSpPr>
         <p:spPr>
           <a:xfrm flipH="1">
-            <a:off x="7371808" y="2925760"/>
+            <a:off x="7365304" y="3050446"/>
             <a:ext cx="270030" cy="1152127"/>
           </a:xfrm>
           <a:prstGeom prst="straightConnector1">
@@ -17617,7 +17645,7 @@
         </p:nvSpPr>
         <p:spPr>
           <a:xfrm rot="2679539">
-            <a:off x="7759355" y="3114767"/>
+            <a:off x="7752851" y="3239453"/>
             <a:ext cx="693501" cy="718660"/>
           </a:xfrm>
           <a:prstGeom prst="plus">
@@ -17673,7 +17701,7 @@
         </p:nvSpPr>
         <p:spPr>
           <a:xfrm>
-            <a:off x="2725507" y="3147222"/>
+            <a:off x="2719003" y="3271908"/>
             <a:ext cx="691817" cy="648071"/>
           </a:xfrm>
           <a:prstGeom prst="donut">
@@ -17741,7 +17769,7 @@
         </p:blipFill>
         <p:spPr>
           <a:xfrm>
-            <a:off x="4696883" y="2782129"/>
+            <a:off x="4690379" y="2906815"/>
             <a:ext cx="1924319" cy="3934374"/>
           </a:xfrm>
           <a:prstGeom prst="rect">
@@ -17763,7 +17791,7 @@
         </p:nvSpPr>
         <p:spPr>
           <a:xfrm>
-            <a:off x="5089432" y="6179373"/>
+            <a:off x="5082928" y="6304059"/>
             <a:ext cx="1531770" cy="508822"/>
           </a:xfrm>
           <a:prstGeom prst="rect">
@@ -17815,7 +17843,7 @@
         </p:nvSpPr>
         <p:spPr>
           <a:xfrm>
-            <a:off x="5075261" y="4996304"/>
+            <a:off x="5068757" y="5120990"/>
             <a:ext cx="1312434" cy="1020719"/>
           </a:xfrm>
           <a:prstGeom prst="rect">
@@ -17870,7 +17898,7 @@
         </p:nvCxnSpPr>
         <p:spPr>
           <a:xfrm>
-            <a:off x="467544" y="5218738"/>
+            <a:off x="461040" y="5343424"/>
             <a:ext cx="449566" cy="0"/>
           </a:xfrm>
           <a:prstGeom prst="line">
@@ -18174,7 +18202,7 @@
                 <a:latin typeface="BIZ UDP明朝 Medium" panose="02020500000000000000" pitchFamily="18" charset="-128"/>
                 <a:ea typeface="BIZ UDP明朝 Medium" panose="02020500000000000000" pitchFamily="18" charset="-128"/>
               </a:rPr>
-              <a:t>Output</a:t>
+              <a:t>output</a:t>
             </a:r>
             <a:endParaRPr lang="ja-JP" altLang="en-US" sz="2400" dirty="0">
               <a:solidFill>
@@ -19262,7 +19290,7 @@
                 <a:latin typeface="BIZ UDP明朝 Medium" panose="02020500000000000000" pitchFamily="18" charset="-128"/>
                 <a:ea typeface="BIZ UDP明朝 Medium" panose="02020500000000000000" pitchFamily="18" charset="-128"/>
               </a:rPr>
-              <a:t>Output</a:t>
+              <a:t>output</a:t>
             </a:r>
             <a:endParaRPr lang="ja-JP" altLang="en-US" sz="2400" dirty="0">
               <a:solidFill>
@@ -20449,7 +20477,7 @@
                 <a:latin typeface="BIZ UDP明朝 Medium" panose="02020500000000000000" pitchFamily="18" charset="-128"/>
                 <a:ea typeface="BIZ UDP明朝 Medium" panose="02020500000000000000" pitchFamily="18" charset="-128"/>
               </a:rPr>
-              <a:t>を使用しますが、今回は、よく使用される</a:t>
+              <a:t>を使用しますが、今回は、</a:t>
             </a:r>
             <a:r>
               <a:rPr lang="en-US" altLang="ja-JP" b="1" i="0" dirty="0" err="1">
